--- a/slides.pptx
+++ b/slides.pptx
@@ -9,7 +9,7 @@
     <p:sldMasterId id="2147483871" r:id="rId5"/>
   </p:sldMasterIdLst>
   <p:notesMasterIdLst>
-    <p:notesMasterId r:id="rId13"/>
+    <p:notesMasterId r:id="rId14"/>
   </p:notesMasterIdLst>
   <p:sldIdLst>
     <p:sldId id="262" r:id="rId6"/>
@@ -17,8 +17,9 @@
     <p:sldId id="141168955" r:id="rId8"/>
     <p:sldId id="5134" r:id="rId9"/>
     <p:sldId id="2142531735" r:id="rId10"/>
-    <p:sldId id="2142531736" r:id="rId11"/>
-    <p:sldId id="2142531733" r:id="rId12"/>
+    <p:sldId id="10036" r:id="rId11"/>
+    <p:sldId id="2142531736" r:id="rId12"/>
+    <p:sldId id="2142531733" r:id="rId13"/>
   </p:sldIdLst>
   <p:sldSz cx="9144000" cy="5143500" type="screen16x9"/>
   <p:notesSz cx="6858000" cy="9144000"/>
@@ -238,7 +239,7 @@
           <a:p>
             <a:fld id="{26BE012A-D992-5D42-B86E-AA2BC0764EE1}" type="datetimeFigureOut">
               <a:rPr lang="en-US" smtClean="0"/>
-              <a:t>4/29/20</a:t>
+              <a:t>5/1/20</a:t>
             </a:fld>
             <a:endParaRPr lang="en-US"/>
           </a:p>
@@ -1245,7 +1246,26 @@
           <a:bodyPr/>
           <a:lstStyle/>
           <a:p>
-            <a:pPr marL="0" marR="0" lvl="0" indent="0" algn="l" defTabSz="685800" rtl="0" eaLnBrk="1" fontAlgn="auto" latinLnBrk="0" hangingPunct="1">
+            <a:endParaRPr lang="en-US" dirty="0"/>
+          </a:p>
+        </p:txBody>
+      </p:sp>
+      <p:sp>
+        <p:nvSpPr>
+          <p:cNvPr id="4" name="Footer Placeholder 3"/>
+          <p:cNvSpPr>
+            <a:spLocks noGrp="1"/>
+          </p:cNvSpPr>
+          <p:nvPr>
+            <p:ph type="ftr" sz="quarter" idx="10"/>
+          </p:nvPr>
+        </p:nvSpPr>
+        <p:spPr/>
+        <p:txBody>
+          <a:bodyPr/>
+          <a:lstStyle/>
+          <a:p>
+            <a:pPr marL="0" marR="0" lvl="0" indent="0" algn="l" defTabSz="914400" rtl="0" eaLnBrk="1" fontAlgn="auto" latinLnBrk="0" hangingPunct="1">
               <a:lnSpc>
                 <a:spcPct val="100000"/>
               </a:lnSpc>
@@ -1263,164 +1283,66 @@
               <a:defRPr/>
             </a:pPr>
             <a:r>
-              <a:rPr lang="en-US" sz="900" b="1" dirty="0">
-                <a:solidFill>
-                  <a:schemeClr val="bg2"/>
-                </a:solidFill>
-                <a:latin typeface="IBM Plex Sans" panose="020B0503050000000000" pitchFamily="34" charset="77"/>
+              <a:rPr kumimoji="0" lang="en-US" altLang="en-US" sz="1200" b="0" i="0" u="none" strike="noStrike" kern="1200" cap="none" spc="0" normalizeH="0" baseline="0" noProof="0">
+                <a:ln>
+                  <a:noFill/>
+                </a:ln>
+                <a:solidFill>
+                  <a:srgbClr val="000000"/>
+                </a:solidFill>
+                <a:effectLst/>
+                <a:uLnTx/>
+                <a:uFillTx/>
+                <a:latin typeface="Calibri" panose="020F0502020204030204"/>
+                <a:ea typeface="+mn-ea"/>
+                <a:cs typeface="+mn-cs"/>
               </a:rPr>
-              <a:t>Align model performance with business outcomes – </a:t>
-            </a:r>
-            <a:r>
-              <a:rPr lang="en-US" sz="900" b="0" dirty="0">
-                <a:solidFill>
-                  <a:schemeClr val="bg2"/>
-                </a:solidFill>
-                <a:latin typeface="IBM Plex Sans" panose="020B0503050000000000" pitchFamily="34" charset="77"/>
+              <a:t>IBM Analytics</a:t>
+            </a:r>
+            <a:br>
+              <a:rPr kumimoji="0" lang="en-US" altLang="en-US" sz="1200" b="0" i="0" u="none" strike="noStrike" kern="1200" cap="none" spc="0" normalizeH="0" baseline="0" noProof="0">
+                <a:ln>
+                  <a:noFill/>
+                </a:ln>
+                <a:solidFill>
+                  <a:srgbClr val="000000"/>
+                </a:solidFill>
+                <a:effectLst/>
+                <a:uLnTx/>
+                <a:uFillTx/>
+                <a:latin typeface="Calibri" panose="020F0502020204030204"/>
+                <a:ea typeface="+mn-ea"/>
+                <a:cs typeface="+mn-cs"/>
               </a:rPr>
-              <a:t>“if you are thinking about launching an AI model into production, this is a no-brainer”</a:t>
-            </a:r>
-          </a:p>
-          <a:p>
-            <a:pPr marL="0" marR="0" lvl="0" indent="0" algn="l" defTabSz="685800" rtl="0" eaLnBrk="1" fontAlgn="auto" latinLnBrk="0" hangingPunct="1">
-              <a:lnSpc>
-                <a:spcPct val="100000"/>
-              </a:lnSpc>
-              <a:spcBef>
-                <a:spcPts val="0"/>
-              </a:spcBef>
-              <a:spcAft>
-                <a:spcPts val="0"/>
-              </a:spcAft>
-              <a:buClrTx/>
-              <a:buSzTx/>
-              <a:buFontTx/>
-              <a:buNone/>
-              <a:tabLst/>
-              <a:defRPr/>
-            </a:pPr>
-            <a:r>
-              <a:rPr lang="en-US" sz="900" b="1" dirty="0">
-                <a:solidFill>
-                  <a:schemeClr val="bg2"/>
-                </a:solidFill>
-                <a:latin typeface="IBM Plex Sans" panose="020B0503050000000000" pitchFamily="34" charset="77"/>
+            </a:br>
+            <a:r>
+              <a:rPr kumimoji="0" lang="en-US" altLang="en-US" sz="1200" b="0" i="0" u="none" strike="noStrike" kern="1200" cap="none" spc="0" normalizeH="0" baseline="0" noProof="0">
+                <a:ln>
+                  <a:noFill/>
+                </a:ln>
+                <a:solidFill>
+                  <a:srgbClr val="000000"/>
+                </a:solidFill>
+                <a:effectLst/>
+                <a:uLnTx/>
+                <a:uFillTx/>
+                <a:latin typeface="Calibri" panose="020F0502020204030204"/>
+                <a:ea typeface="+mn-ea"/>
+                <a:cs typeface="+mn-cs"/>
               </a:rPr>
-              <a:t>Ensure that models are resilient to changing situations </a:t>
-            </a:r>
-            <a:r>
-              <a:rPr lang="en-US" sz="900" b="0" dirty="0">
-                <a:solidFill>
-                  <a:schemeClr val="bg2"/>
-                </a:solidFill>
-                <a:latin typeface="IBM Plex Sans" panose="020B0503050000000000" pitchFamily="34" charset="77"/>
-              </a:rPr>
-              <a:t>– “if you are using AI to impact revenue, identify problems with business models or transform operations, you have to track changes in business inputs. Models need to keep up with it much faster than manual review/retrain recommendations”</a:t>
-            </a:r>
-          </a:p>
-          <a:p>
-            <a:pPr marL="0" marR="0" lvl="0" indent="0" algn="l" defTabSz="685800" rtl="0" eaLnBrk="1" fontAlgn="auto" latinLnBrk="0" hangingPunct="1">
-              <a:lnSpc>
-                <a:spcPct val="100000"/>
-              </a:lnSpc>
-              <a:spcBef>
-                <a:spcPts val="0"/>
-              </a:spcBef>
-              <a:spcAft>
-                <a:spcPts val="0"/>
-              </a:spcAft>
-              <a:buClrTx/>
-              <a:buSzTx/>
-              <a:buFontTx/>
-              <a:buNone/>
-              <a:tabLst/>
-              <a:defRPr/>
-            </a:pPr>
-            <a:r>
-              <a:rPr lang="en-US" sz="900" b="1" dirty="0">
-                <a:solidFill>
-                  <a:schemeClr val="bg2"/>
-                </a:solidFill>
-                <a:latin typeface="IBM Plex Sans" panose="020B0503050000000000" pitchFamily="34" charset="77"/>
-              </a:rPr>
-              <a:t>Prove regulatory compliance and safeguards </a:t>
-            </a:r>
-            <a:r>
-              <a:rPr lang="en-US" sz="900" b="0" dirty="0">
-                <a:solidFill>
-                  <a:schemeClr val="bg2"/>
-                </a:solidFill>
-                <a:latin typeface="IBM Plex Sans" panose="020B0503050000000000" pitchFamily="34" charset="77"/>
-              </a:rPr>
-              <a:t>– “if you are in a regulated industry, there are existing regulations that automated decisions have to meet”; “new controls could get added to GDPR or new regulations being proposed may become a reality in the Digital age”. This will need to be done both during production and before deploying</a:t>
-            </a:r>
-            <a:endParaRPr lang="en-US" sz="800" b="1" dirty="0">
-              <a:solidFill>
-                <a:schemeClr val="bg2"/>
-              </a:solidFill>
-              <a:latin typeface="IBM Plex Sans" panose="020B0503050000000000" pitchFamily="34" charset="77"/>
-            </a:endParaRPr>
-          </a:p>
-          <a:p>
-            <a:pPr marL="0" marR="0" lvl="0" indent="0" algn="l" defTabSz="685800" rtl="0" eaLnBrk="1" fontAlgn="auto" latinLnBrk="0" hangingPunct="1">
-              <a:lnSpc>
-                <a:spcPct val="100000"/>
-              </a:lnSpc>
-              <a:spcBef>
-                <a:spcPts val="0"/>
-              </a:spcBef>
-              <a:spcAft>
-                <a:spcPts val="0"/>
-              </a:spcAft>
-              <a:buClrTx/>
-              <a:buSzTx/>
-              <a:buFontTx/>
-              <a:buNone/>
-              <a:tabLst/>
-              <a:defRPr/>
-            </a:pPr>
-            <a:endParaRPr lang="en-US" sz="900" b="1" dirty="0">
-              <a:solidFill>
-                <a:schemeClr val="bg2"/>
-              </a:solidFill>
-              <a:latin typeface="IBM Plex Sans" panose="020B0503050000000000" pitchFamily="34" charset="77"/>
-            </a:endParaRPr>
-          </a:p>
-          <a:p>
-            <a:pPr marL="0" marR="0" lvl="0" indent="0" algn="l" defTabSz="685800" rtl="0" eaLnBrk="1" fontAlgn="auto" latinLnBrk="0" hangingPunct="1">
-              <a:lnSpc>
-                <a:spcPct val="100000"/>
-              </a:lnSpc>
-              <a:spcBef>
-                <a:spcPts val="0"/>
-              </a:spcBef>
-              <a:spcAft>
-                <a:spcPts val="0"/>
-              </a:spcAft>
-              <a:buClrTx/>
-              <a:buSzTx/>
-              <a:buFontTx/>
-              <a:buNone/>
-              <a:tabLst/>
-              <a:defRPr/>
-            </a:pPr>
-            <a:endParaRPr lang="en-US" sz="900" b="1" dirty="0">
-              <a:solidFill>
-                <a:schemeClr val="bg2"/>
-              </a:solidFill>
-              <a:latin typeface="IBM Plex Sans" panose="020B0503050000000000" pitchFamily="34" charset="77"/>
-            </a:endParaRPr>
-          </a:p>
-        </p:txBody>
-      </p:sp>
-      <p:sp>
-        <p:nvSpPr>
-          <p:cNvPr id="4" name="Slide Number Placeholder 3"/>
-          <p:cNvSpPr>
-            <a:spLocks noGrp="1"/>
-          </p:cNvSpPr>
-          <p:nvPr>
-            <p:ph type="sldNum" sz="quarter" idx="5"/>
+              <a:t>© 2015 IBM Corporation</a:t>
+            </a:r>
+          </a:p>
+        </p:txBody>
+      </p:sp>
+      <p:sp>
+        <p:nvSpPr>
+          <p:cNvPr id="5" name="Slide Number Placeholder 4"/>
+          <p:cNvSpPr>
+            <a:spLocks noGrp="1"/>
+          </p:cNvSpPr>
+          <p:nvPr>
+            <p:ph type="sldNum" sz="quarter" idx="11"/>
           </p:nvPr>
         </p:nvSpPr>
         <p:spPr/>
@@ -1445,13 +1367,13 @@
               <a:tabLst/>
               <a:defRPr/>
             </a:pPr>
-            <a:fld id="{18D02FFD-07D4-5C4F-BD77-921008177348}" type="slidenum">
-              <a:rPr kumimoji="0" lang="en-US" sz="1200" b="0" i="0" u="none" strike="noStrike" kern="1200" cap="none" spc="0" normalizeH="0" baseline="0" noProof="0" smtClean="0">
+            <a:fld id="{814B924B-E701-4F68-B2BF-A9B672B5BF5D}" type="slidenum">
+              <a:rPr kumimoji="0" lang="en-US" altLang="en-US" sz="1200" b="0" i="0" u="none" strike="noStrike" kern="1200" cap="none" spc="0" normalizeH="0" baseline="0" noProof="0" smtClean="0">
                 <a:ln>
                   <a:noFill/>
                 </a:ln>
                 <a:solidFill>
-                  <a:prstClr val="black"/>
+                  <a:srgbClr val="000000"/>
                 </a:solidFill>
                 <a:effectLst/>
                 <a:uLnTx/>
@@ -1478,6 +1400,314 @@
                 <a:defRPr/>
               </a:pPr>
               <a:t>6</a:t>
+            </a:fld>
+            <a:endParaRPr kumimoji="0" lang="en-US" altLang="en-US" sz="1200" b="0" i="0" u="none" strike="noStrike" kern="1200" cap="none" spc="0" normalizeH="0" baseline="0" noProof="0">
+              <a:ln>
+                <a:noFill/>
+              </a:ln>
+              <a:solidFill>
+                <a:srgbClr val="000000"/>
+              </a:solidFill>
+              <a:effectLst/>
+              <a:uLnTx/>
+              <a:uFillTx/>
+              <a:latin typeface="Calibri" panose="020F0502020204030204"/>
+              <a:ea typeface="+mn-ea"/>
+              <a:cs typeface="+mn-cs"/>
+            </a:endParaRPr>
+          </a:p>
+        </p:txBody>
+      </p:sp>
+    </p:spTree>
+    <p:extLst>
+      <p:ext uri="{BB962C8B-B14F-4D97-AF65-F5344CB8AC3E}">
+        <p14:creationId xmlns:p14="http://schemas.microsoft.com/office/powerpoint/2010/main" val="49519401"/>
+      </p:ext>
+    </p:extLst>
+  </p:cSld>
+  <p:clrMapOvr>
+    <a:masterClrMapping/>
+  </p:clrMapOvr>
+</p:notes>
+</file>
+
+<file path=ppt/notesSlides/notesSlide6.xml><?xml version="1.0" encoding="utf-8"?>
+<p:notes xmlns:a="http://schemas.openxmlformats.org/drawingml/2006/main" xmlns:r="http://schemas.openxmlformats.org/officeDocument/2006/relationships" xmlns:p="http://schemas.openxmlformats.org/presentationml/2006/main">
+  <p:cSld>
+    <p:spTree>
+      <p:nvGrpSpPr>
+        <p:cNvPr id="1" name=""/>
+        <p:cNvGrpSpPr/>
+        <p:nvPr/>
+      </p:nvGrpSpPr>
+      <p:grpSpPr>
+        <a:xfrm>
+          <a:off x="0" y="0"/>
+          <a:ext cx="0" cy="0"/>
+          <a:chOff x="0" y="0"/>
+          <a:chExt cx="0" cy="0"/>
+        </a:xfrm>
+      </p:grpSpPr>
+      <p:sp>
+        <p:nvSpPr>
+          <p:cNvPr id="2" name="Slide Image Placeholder 1"/>
+          <p:cNvSpPr>
+            <a:spLocks noGrp="1" noRot="1" noChangeAspect="1"/>
+          </p:cNvSpPr>
+          <p:nvPr>
+            <p:ph type="sldImg"/>
+          </p:nvPr>
+        </p:nvSpPr>
+        <p:spPr/>
+      </p:sp>
+      <p:sp>
+        <p:nvSpPr>
+          <p:cNvPr id="3" name="Notes Placeholder 2"/>
+          <p:cNvSpPr>
+            <a:spLocks noGrp="1"/>
+          </p:cNvSpPr>
+          <p:nvPr>
+            <p:ph type="body" idx="1"/>
+          </p:nvPr>
+        </p:nvSpPr>
+        <p:spPr/>
+        <p:txBody>
+          <a:bodyPr/>
+          <a:lstStyle/>
+          <a:p>
+            <a:pPr marL="0" marR="0" lvl="0" indent="0" algn="l" defTabSz="685800" rtl="0" eaLnBrk="1" fontAlgn="auto" latinLnBrk="0" hangingPunct="1">
+              <a:lnSpc>
+                <a:spcPct val="100000"/>
+              </a:lnSpc>
+              <a:spcBef>
+                <a:spcPts val="0"/>
+              </a:spcBef>
+              <a:spcAft>
+                <a:spcPts val="0"/>
+              </a:spcAft>
+              <a:buClrTx/>
+              <a:buSzTx/>
+              <a:buFontTx/>
+              <a:buNone/>
+              <a:tabLst/>
+              <a:defRPr/>
+            </a:pPr>
+            <a:r>
+              <a:rPr lang="en-US" sz="900" b="1" dirty="0">
+                <a:solidFill>
+                  <a:schemeClr val="bg2"/>
+                </a:solidFill>
+                <a:latin typeface="IBM Plex Sans" panose="020B0503050000000000" pitchFamily="34" charset="77"/>
+              </a:rPr>
+              <a:t>Align model performance with business outcomes – </a:t>
+            </a:r>
+            <a:r>
+              <a:rPr lang="en-US" sz="900" b="0" dirty="0">
+                <a:solidFill>
+                  <a:schemeClr val="bg2"/>
+                </a:solidFill>
+                <a:latin typeface="IBM Plex Sans" panose="020B0503050000000000" pitchFamily="34" charset="77"/>
+              </a:rPr>
+              <a:t>“if you are thinking about launching an AI model into production, this is a no-brainer”</a:t>
+            </a:r>
+          </a:p>
+          <a:p>
+            <a:pPr marL="0" marR="0" lvl="0" indent="0" algn="l" defTabSz="685800" rtl="0" eaLnBrk="1" fontAlgn="auto" latinLnBrk="0" hangingPunct="1">
+              <a:lnSpc>
+                <a:spcPct val="100000"/>
+              </a:lnSpc>
+              <a:spcBef>
+                <a:spcPts val="0"/>
+              </a:spcBef>
+              <a:spcAft>
+                <a:spcPts val="0"/>
+              </a:spcAft>
+              <a:buClrTx/>
+              <a:buSzTx/>
+              <a:buFontTx/>
+              <a:buNone/>
+              <a:tabLst/>
+              <a:defRPr/>
+            </a:pPr>
+            <a:r>
+              <a:rPr lang="en-US" sz="900" b="1" dirty="0">
+                <a:solidFill>
+                  <a:schemeClr val="bg2"/>
+                </a:solidFill>
+                <a:latin typeface="IBM Plex Sans" panose="020B0503050000000000" pitchFamily="34" charset="77"/>
+              </a:rPr>
+              <a:t>Ensure that models are resilient to changing situations </a:t>
+            </a:r>
+            <a:r>
+              <a:rPr lang="en-US" sz="900" b="0" dirty="0">
+                <a:solidFill>
+                  <a:schemeClr val="bg2"/>
+                </a:solidFill>
+                <a:latin typeface="IBM Plex Sans" panose="020B0503050000000000" pitchFamily="34" charset="77"/>
+              </a:rPr>
+              <a:t>– “if you are using AI to impact revenue, identify problems with business models or transform operations, you have to track changes in business inputs. Models need to keep up with it much faster than manual review/retrain recommendations”</a:t>
+            </a:r>
+          </a:p>
+          <a:p>
+            <a:pPr marL="0" marR="0" lvl="0" indent="0" algn="l" defTabSz="685800" rtl="0" eaLnBrk="1" fontAlgn="auto" latinLnBrk="0" hangingPunct="1">
+              <a:lnSpc>
+                <a:spcPct val="100000"/>
+              </a:lnSpc>
+              <a:spcBef>
+                <a:spcPts val="0"/>
+              </a:spcBef>
+              <a:spcAft>
+                <a:spcPts val="0"/>
+              </a:spcAft>
+              <a:buClrTx/>
+              <a:buSzTx/>
+              <a:buFontTx/>
+              <a:buNone/>
+              <a:tabLst/>
+              <a:defRPr/>
+            </a:pPr>
+            <a:r>
+              <a:rPr lang="en-US" sz="900" b="1" dirty="0">
+                <a:solidFill>
+                  <a:schemeClr val="bg2"/>
+                </a:solidFill>
+                <a:latin typeface="IBM Plex Sans" panose="020B0503050000000000" pitchFamily="34" charset="77"/>
+              </a:rPr>
+              <a:t>Prove regulatory compliance and safeguards </a:t>
+            </a:r>
+            <a:r>
+              <a:rPr lang="en-US" sz="900" b="0" dirty="0">
+                <a:solidFill>
+                  <a:schemeClr val="bg2"/>
+                </a:solidFill>
+                <a:latin typeface="IBM Plex Sans" panose="020B0503050000000000" pitchFamily="34" charset="77"/>
+              </a:rPr>
+              <a:t>– “if you are in a regulated industry, there are existing regulations that automated decisions have to meet”; “new controls could get added to GDPR or new regulations being proposed may become a reality in the Digital age”. This will need to be done both during production and before deploying</a:t>
+            </a:r>
+            <a:endParaRPr lang="en-US" sz="800" b="1" dirty="0">
+              <a:solidFill>
+                <a:schemeClr val="bg2"/>
+              </a:solidFill>
+              <a:latin typeface="IBM Plex Sans" panose="020B0503050000000000" pitchFamily="34" charset="77"/>
+            </a:endParaRPr>
+          </a:p>
+          <a:p>
+            <a:pPr marL="0" marR="0" lvl="0" indent="0" algn="l" defTabSz="685800" rtl="0" eaLnBrk="1" fontAlgn="auto" latinLnBrk="0" hangingPunct="1">
+              <a:lnSpc>
+                <a:spcPct val="100000"/>
+              </a:lnSpc>
+              <a:spcBef>
+                <a:spcPts val="0"/>
+              </a:spcBef>
+              <a:spcAft>
+                <a:spcPts val="0"/>
+              </a:spcAft>
+              <a:buClrTx/>
+              <a:buSzTx/>
+              <a:buFontTx/>
+              <a:buNone/>
+              <a:tabLst/>
+              <a:defRPr/>
+            </a:pPr>
+            <a:endParaRPr lang="en-US" sz="900" b="1" dirty="0">
+              <a:solidFill>
+                <a:schemeClr val="bg2"/>
+              </a:solidFill>
+              <a:latin typeface="IBM Plex Sans" panose="020B0503050000000000" pitchFamily="34" charset="77"/>
+            </a:endParaRPr>
+          </a:p>
+          <a:p>
+            <a:pPr marL="0" marR="0" lvl="0" indent="0" algn="l" defTabSz="685800" rtl="0" eaLnBrk="1" fontAlgn="auto" latinLnBrk="0" hangingPunct="1">
+              <a:lnSpc>
+                <a:spcPct val="100000"/>
+              </a:lnSpc>
+              <a:spcBef>
+                <a:spcPts val="0"/>
+              </a:spcBef>
+              <a:spcAft>
+                <a:spcPts val="0"/>
+              </a:spcAft>
+              <a:buClrTx/>
+              <a:buSzTx/>
+              <a:buFontTx/>
+              <a:buNone/>
+              <a:tabLst/>
+              <a:defRPr/>
+            </a:pPr>
+            <a:endParaRPr lang="en-US" sz="900" b="1" dirty="0">
+              <a:solidFill>
+                <a:schemeClr val="bg2"/>
+              </a:solidFill>
+              <a:latin typeface="IBM Plex Sans" panose="020B0503050000000000" pitchFamily="34" charset="77"/>
+            </a:endParaRPr>
+          </a:p>
+        </p:txBody>
+      </p:sp>
+      <p:sp>
+        <p:nvSpPr>
+          <p:cNvPr id="4" name="Slide Number Placeholder 3"/>
+          <p:cNvSpPr>
+            <a:spLocks noGrp="1"/>
+          </p:cNvSpPr>
+          <p:nvPr>
+            <p:ph type="sldNum" sz="quarter" idx="5"/>
+          </p:nvPr>
+        </p:nvSpPr>
+        <p:spPr/>
+        <p:txBody>
+          <a:bodyPr/>
+          <a:lstStyle/>
+          <a:p>
+            <a:pPr marL="0" marR="0" lvl="0" indent="0" algn="r" defTabSz="914400" rtl="0" eaLnBrk="1" fontAlgn="auto" latinLnBrk="0" hangingPunct="1">
+              <a:lnSpc>
+                <a:spcPct val="100000"/>
+              </a:lnSpc>
+              <a:spcBef>
+                <a:spcPts val="0"/>
+              </a:spcBef>
+              <a:spcAft>
+                <a:spcPts val="0"/>
+              </a:spcAft>
+              <a:buClrTx/>
+              <a:buSzTx/>
+              <a:buFontTx/>
+              <a:buNone/>
+              <a:tabLst/>
+              <a:defRPr/>
+            </a:pPr>
+            <a:fld id="{18D02FFD-07D4-5C4F-BD77-921008177348}" type="slidenum">
+              <a:rPr kumimoji="0" lang="en-US" sz="1200" b="0" i="0" u="none" strike="noStrike" kern="1200" cap="none" spc="0" normalizeH="0" baseline="0" noProof="0" smtClean="0">
+                <a:ln>
+                  <a:noFill/>
+                </a:ln>
+                <a:solidFill>
+                  <a:prstClr val="black"/>
+                </a:solidFill>
+                <a:effectLst/>
+                <a:uLnTx/>
+                <a:uFillTx/>
+                <a:latin typeface="Calibri" panose="020F0502020204030204"/>
+                <a:ea typeface="+mn-ea"/>
+                <a:cs typeface="+mn-cs"/>
+              </a:rPr>
+              <a:pPr marL="0" marR="0" lvl="0" indent="0" algn="r" defTabSz="914400" rtl="0" eaLnBrk="1" fontAlgn="auto" latinLnBrk="0" hangingPunct="1">
+                <a:lnSpc>
+                  <a:spcPct val="100000"/>
+                </a:lnSpc>
+                <a:spcBef>
+                  <a:spcPts val="0"/>
+                </a:spcBef>
+                <a:spcAft>
+                  <a:spcPts val="0"/>
+                </a:spcAft>
+                <a:buClrTx/>
+                <a:buSzTx/>
+                <a:buFontTx/>
+                <a:buNone/>
+                <a:tabLst/>
+                <a:defRPr/>
+              </a:pPr>
+              <a:t>7</a:t>
             </a:fld>
             <a:endParaRPr kumimoji="0" lang="en-US" sz="1200" b="0" i="0" u="none" strike="noStrike" kern="1200" cap="none" spc="0" normalizeH="0" baseline="0" noProof="0">
               <a:ln>
@@ -47124,6 +47354,481 @@
       </p:grpSpPr>
       <p:sp>
         <p:nvSpPr>
+          <p:cNvPr id="4" name="Slide Number Placeholder 3"/>
+          <p:cNvSpPr>
+            <a:spLocks noGrp="1"/>
+          </p:cNvSpPr>
+          <p:nvPr>
+            <p:ph type="sldNum" sz="quarter" idx="10"/>
+          </p:nvPr>
+        </p:nvSpPr>
+        <p:spPr/>
+        <p:txBody>
+          <a:bodyPr/>
+          <a:lstStyle/>
+          <a:p>
+            <a:fld id="{3FD999D4-B456-9943-89B7-30D56181CE18}" type="slidenum">
+              <a:rPr lang="en-US">
+                <a:solidFill>
+                  <a:prstClr val="white"/>
+                </a:solidFill>
+                <a:latin typeface="IBM Plex Sans"/>
+              </a:rPr>
+              <a:pPr/>
+              <a:t>6</a:t>
+            </a:fld>
+            <a:endParaRPr lang="en-US" dirty="0">
+              <a:solidFill>
+                <a:prstClr val="white"/>
+              </a:solidFill>
+              <a:latin typeface="IBM Plex Sans"/>
+            </a:endParaRPr>
+          </a:p>
+        </p:txBody>
+      </p:sp>
+      <p:sp>
+        <p:nvSpPr>
+          <p:cNvPr id="3" name="Title 2"/>
+          <p:cNvSpPr>
+            <a:spLocks noGrp="1"/>
+          </p:cNvSpPr>
+          <p:nvPr>
+            <p:ph type="title"/>
+          </p:nvPr>
+        </p:nvSpPr>
+        <p:spPr/>
+        <p:txBody>
+          <a:bodyPr/>
+          <a:lstStyle/>
+          <a:p>
+            <a:pPr algn="ctr"/>
+            <a:r>
+              <a:rPr lang="en-US" dirty="0">
+                <a:solidFill>
+                  <a:schemeClr val="tx1"/>
+                </a:solidFill>
+              </a:rPr>
+              <a:t>Demo</a:t>
+            </a:r>
+          </a:p>
+        </p:txBody>
+      </p:sp>
+      <p:sp>
+        <p:nvSpPr>
+          <p:cNvPr id="5" name="TextBox 4"/>
+          <p:cNvSpPr txBox="1"/>
+          <p:nvPr/>
+        </p:nvSpPr>
+        <p:spPr>
+          <a:xfrm>
+            <a:off x="132276" y="1270991"/>
+            <a:ext cx="3229894" cy="2677656"/>
+          </a:xfrm>
+          <a:prstGeom prst="rect">
+            <a:avLst/>
+          </a:prstGeom>
+          <a:noFill/>
+        </p:spPr>
+        <p:txBody>
+          <a:bodyPr wrap="square" rtlCol="0">
+            <a:spAutoFit/>
+          </a:bodyPr>
+          <a:lstStyle/>
+          <a:p>
+            <a:pPr marL="345281" indent="-336947" eaLnBrk="0" fontAlgn="base" hangingPunct="0">
+              <a:spcBef>
+                <a:spcPct val="0"/>
+              </a:spcBef>
+              <a:spcAft>
+                <a:spcPct val="0"/>
+              </a:spcAft>
+              <a:buFont typeface="+mj-lt"/>
+              <a:buAutoNum type="arabicPeriod"/>
+            </a:pPr>
+            <a:endParaRPr lang="en-US" sz="2100" b="1" dirty="0">
+              <a:solidFill>
+                <a:prstClr val="white"/>
+              </a:solidFill>
+              <a:latin typeface="IBM Plex Sans" charset="0"/>
+              <a:ea typeface="IBM Plex Sans" charset="0"/>
+              <a:cs typeface="IBM Plex Sans" charset="0"/>
+            </a:endParaRPr>
+          </a:p>
+          <a:p>
+            <a:pPr marL="351234" indent="-342900" eaLnBrk="0" fontAlgn="base" hangingPunct="0">
+              <a:spcBef>
+                <a:spcPct val="0"/>
+              </a:spcBef>
+              <a:spcAft>
+                <a:spcPct val="0"/>
+              </a:spcAft>
+              <a:buFont typeface="Arial" panose="020B0604020202020204" pitchFamily="34" charset="0"/>
+              <a:buChar char="•"/>
+            </a:pPr>
+            <a:r>
+              <a:rPr lang="en-US" sz="2100" b="1" dirty="0">
+                <a:solidFill>
+                  <a:prstClr val="white"/>
+                </a:solidFill>
+                <a:latin typeface="IBM Plex Sans" charset="0"/>
+                <a:ea typeface="IBM Plex Sans" charset="0"/>
+                <a:cs typeface="IBM Plex Sans" charset="0"/>
+              </a:rPr>
+              <a:t>Build and monitor a mortgage approval model</a:t>
+            </a:r>
+          </a:p>
+          <a:p>
+            <a:pPr marL="8334" eaLnBrk="0" fontAlgn="base" hangingPunct="0">
+              <a:spcBef>
+                <a:spcPct val="0"/>
+              </a:spcBef>
+              <a:spcAft>
+                <a:spcPct val="0"/>
+              </a:spcAft>
+            </a:pPr>
+            <a:endParaRPr lang="en-US" sz="2100" b="1" dirty="0">
+              <a:solidFill>
+                <a:prstClr val="white"/>
+              </a:solidFill>
+              <a:latin typeface="IBM Plex Sans" charset="0"/>
+              <a:ea typeface="IBM Plex Sans" charset="0"/>
+              <a:cs typeface="IBM Plex Sans" charset="0"/>
+            </a:endParaRPr>
+          </a:p>
+          <a:p>
+            <a:pPr marL="351234" indent="-342900" eaLnBrk="0" fontAlgn="base" hangingPunct="0">
+              <a:spcBef>
+                <a:spcPct val="0"/>
+              </a:spcBef>
+              <a:spcAft>
+                <a:spcPct val="0"/>
+              </a:spcAft>
+              <a:buFont typeface="Arial" panose="020B0604020202020204" pitchFamily="34" charset="0"/>
+              <a:buChar char="•"/>
+            </a:pPr>
+            <a:r>
+              <a:rPr lang="en-US" sz="2100" b="1" dirty="0">
+                <a:solidFill>
+                  <a:prstClr val="white"/>
+                </a:solidFill>
+                <a:latin typeface="IBM Plex Sans" charset="0"/>
+                <a:ea typeface="IBM Plex Sans" charset="0"/>
+                <a:cs typeface="IBM Plex Sans" charset="0"/>
+              </a:rPr>
+              <a:t>Deployed classification model </a:t>
+            </a:r>
+          </a:p>
+          <a:p>
+            <a:pPr marL="351234" indent="-342900" eaLnBrk="0" fontAlgn="base" hangingPunct="0">
+              <a:spcBef>
+                <a:spcPct val="0"/>
+              </a:spcBef>
+              <a:spcAft>
+                <a:spcPct val="0"/>
+              </a:spcAft>
+              <a:buFont typeface="Arial" panose="020B0604020202020204" pitchFamily="34" charset="0"/>
+              <a:buChar char="•"/>
+            </a:pPr>
+            <a:endParaRPr lang="en-US" sz="2100" b="1" dirty="0">
+              <a:solidFill>
+                <a:prstClr val="white"/>
+              </a:solidFill>
+              <a:latin typeface="IBM Plex Sans" charset="0"/>
+              <a:ea typeface="IBM Plex Sans" charset="0"/>
+              <a:cs typeface="IBM Plex Sans" charset="0"/>
+            </a:endParaRPr>
+          </a:p>
+        </p:txBody>
+      </p:sp>
+      <p:pic>
+        <p:nvPicPr>
+          <p:cNvPr id="9" name="Picture 8">
+            <a:extLst>
+              <a:ext uri="{FF2B5EF4-FFF2-40B4-BE49-F238E27FC236}">
+                <a16:creationId xmlns:a16="http://schemas.microsoft.com/office/drawing/2014/main" id="{F88EDF9C-DDF8-4C81-BCB2-DC70D66DDEEC}"/>
+              </a:ext>
+            </a:extLst>
+          </p:cNvPr>
+          <p:cNvPicPr>
+            <a:picLocks noChangeAspect="1"/>
+          </p:cNvPicPr>
+          <p:nvPr/>
+        </p:nvPicPr>
+        <p:blipFill>
+          <a:blip r:embed="rId3"/>
+          <a:stretch>
+            <a:fillRect/>
+          </a:stretch>
+        </p:blipFill>
+        <p:spPr>
+          <a:xfrm>
+            <a:off x="4181582" y="838579"/>
+            <a:ext cx="4962418" cy="3344584"/>
+          </a:xfrm>
+          <a:prstGeom prst="rect">
+            <a:avLst/>
+          </a:prstGeom>
+        </p:spPr>
+      </p:pic>
+      <p:sp>
+        <p:nvSpPr>
+          <p:cNvPr id="10" name="TextBox 9">
+            <a:extLst>
+              <a:ext uri="{FF2B5EF4-FFF2-40B4-BE49-F238E27FC236}">
+                <a16:creationId xmlns:a16="http://schemas.microsoft.com/office/drawing/2014/main" id="{6184D749-2CCF-41EC-BBE9-CC7369D3F83B}"/>
+              </a:ext>
+            </a:extLst>
+          </p:cNvPr>
+          <p:cNvSpPr txBox="1"/>
+          <p:nvPr/>
+        </p:nvSpPr>
+        <p:spPr>
+          <a:xfrm>
+            <a:off x="346523" y="1012215"/>
+            <a:ext cx="8736147" cy="1384995"/>
+          </a:xfrm>
+          <a:prstGeom prst="rect">
+            <a:avLst/>
+          </a:prstGeom>
+          <a:noFill/>
+        </p:spPr>
+        <p:txBody>
+          <a:bodyPr wrap="square" rtlCol="0">
+            <a:spAutoFit/>
+          </a:bodyPr>
+          <a:lstStyle/>
+          <a:p>
+            <a:r>
+              <a:rPr lang="en-US" sz="2800" b="1" dirty="0">
+                <a:solidFill>
+                  <a:srgbClr val="FFFFFF"/>
+                </a:solidFill>
+                <a:latin typeface="IBM Plex Sans" panose="020B0503050203000203" pitchFamily="34" charset="0"/>
+                <a:ea typeface="IBM Plex Sans Light" charset="0"/>
+                <a:cs typeface="IBM Plex Sans Light" charset="0"/>
+              </a:rPr>
+              <a:t>Use case</a:t>
+            </a:r>
+            <a:endParaRPr lang="en-US" sz="2800" dirty="0">
+              <a:solidFill>
+                <a:srgbClr val="FFFFFF"/>
+              </a:solidFill>
+              <a:latin typeface="IBM Plex Sans" panose="020B0503050203000203" pitchFamily="34" charset="0"/>
+              <a:ea typeface="IBM Plex Sans Light" charset="0"/>
+              <a:cs typeface="IBM Plex Sans Light" charset="0"/>
+            </a:endParaRPr>
+          </a:p>
+          <a:p>
+            <a:pPr marL="285743" indent="-285743">
+              <a:buFont typeface="Arial" panose="020B0604020202020204" pitchFamily="34" charset="0"/>
+              <a:buChar char="•"/>
+            </a:pPr>
+            <a:endParaRPr lang="en-US" sz="2800" dirty="0">
+              <a:solidFill>
+                <a:srgbClr val="FFFFFF"/>
+              </a:solidFill>
+              <a:latin typeface="IBM Plex Sans" panose="020B0503050203000203" pitchFamily="34" charset="0"/>
+              <a:ea typeface="IBM Plex Sans Light" charset="0"/>
+              <a:cs typeface="IBM Plex Sans Light" charset="0"/>
+            </a:endParaRPr>
+          </a:p>
+          <a:p>
+            <a:endParaRPr lang="en-US" sz="2800" dirty="0">
+              <a:solidFill>
+                <a:srgbClr val="FFFFFF"/>
+              </a:solidFill>
+              <a:latin typeface="IBM Plex Sans" panose="020B0503050203000203" pitchFamily="34" charset="0"/>
+              <a:ea typeface="IBM Plex Sans Light" charset="0"/>
+              <a:cs typeface="IBM Plex Sans Light" charset="0"/>
+            </a:endParaRPr>
+          </a:p>
+        </p:txBody>
+      </p:sp>
+      <p:sp>
+        <p:nvSpPr>
+          <p:cNvPr id="7" name="TextBox 6">
+            <a:extLst>
+              <a:ext uri="{FF2B5EF4-FFF2-40B4-BE49-F238E27FC236}">
+                <a16:creationId xmlns:a16="http://schemas.microsoft.com/office/drawing/2014/main" id="{E0DFD8D0-6420-764E-997E-E1C59BB6EDB8}"/>
+              </a:ext>
+            </a:extLst>
+          </p:cNvPr>
+          <p:cNvSpPr txBox="1"/>
+          <p:nvPr/>
+        </p:nvSpPr>
+        <p:spPr>
+          <a:xfrm>
+            <a:off x="228600" y="133565"/>
+            <a:ext cx="8699643" cy="646331"/>
+          </a:xfrm>
+          <a:prstGeom prst="rect">
+            <a:avLst/>
+          </a:prstGeom>
+          <a:noFill/>
+        </p:spPr>
+        <p:txBody>
+          <a:bodyPr wrap="square" rtlCol="0">
+            <a:spAutoFit/>
+          </a:bodyPr>
+          <a:lstStyle/>
+          <a:p>
+            <a:r>
+              <a:rPr lang="en-US" sz="1800" dirty="0">
+                <a:solidFill>
+                  <a:schemeClr val="bg2"/>
+                </a:solidFill>
+              </a:rPr>
+              <a:t>While I’m talking, do </a:t>
+            </a:r>
+            <a:r>
+              <a:rPr lang="en-US" sz="1800" dirty="0" err="1">
+                <a:solidFill>
+                  <a:schemeClr val="bg2"/>
+                </a:solidFill>
+              </a:rPr>
+              <a:t>prereqs</a:t>
+            </a:r>
+            <a:r>
+              <a:rPr lang="en-US" sz="1800" dirty="0">
+                <a:solidFill>
+                  <a:schemeClr val="bg2"/>
+                </a:solidFill>
+              </a:rPr>
+              <a:t> and environment setup here:</a:t>
+            </a:r>
+          </a:p>
+          <a:p>
+            <a:r>
+              <a:rPr lang="en-US" sz="1800" dirty="0" err="1">
+                <a:solidFill>
+                  <a:schemeClr val="bg2"/>
+                </a:solidFill>
+              </a:rPr>
+              <a:t>github.com</a:t>
+            </a:r>
+            <a:r>
+              <a:rPr lang="en-US" sz="1800" dirty="0">
+                <a:solidFill>
+                  <a:schemeClr val="bg2"/>
+                </a:solidFill>
+              </a:rPr>
+              <a:t>/</a:t>
+            </a:r>
+            <a:r>
+              <a:rPr lang="en-US" sz="1800" dirty="0" err="1">
+                <a:solidFill>
+                  <a:schemeClr val="bg2"/>
+                </a:solidFill>
+              </a:rPr>
+              <a:t>ericmartens</a:t>
+            </a:r>
+            <a:r>
+              <a:rPr lang="en-US" sz="1800" dirty="0">
+                <a:solidFill>
+                  <a:schemeClr val="bg2"/>
+                </a:solidFill>
+              </a:rPr>
+              <a:t>/</a:t>
+            </a:r>
+            <a:r>
+              <a:rPr lang="en-US" sz="1800" dirty="0" err="1">
+                <a:solidFill>
+                  <a:schemeClr val="bg2"/>
+                </a:solidFill>
+              </a:rPr>
+              <a:t>openscale_app</a:t>
+            </a:r>
+            <a:endParaRPr lang="en-US" sz="1800" dirty="0">
+              <a:solidFill>
+                <a:schemeClr val="bg2"/>
+              </a:solidFill>
+            </a:endParaRPr>
+          </a:p>
+        </p:txBody>
+      </p:sp>
+      <p:sp>
+        <p:nvSpPr>
+          <p:cNvPr id="8" name="TextBox 7">
+            <a:extLst>
+              <a:ext uri="{FF2B5EF4-FFF2-40B4-BE49-F238E27FC236}">
+                <a16:creationId xmlns:a16="http://schemas.microsoft.com/office/drawing/2014/main" id="{A92FDFB9-5AAA-8145-97AA-2A5E56A26762}"/>
+              </a:ext>
+            </a:extLst>
+          </p:cNvPr>
+          <p:cNvSpPr txBox="1"/>
+          <p:nvPr/>
+        </p:nvSpPr>
+        <p:spPr>
+          <a:xfrm>
+            <a:off x="1911850" y="4637089"/>
+            <a:ext cx="5670479" cy="461665"/>
+          </a:xfrm>
+          <a:prstGeom prst="rect">
+            <a:avLst/>
+          </a:prstGeom>
+          <a:noFill/>
+        </p:spPr>
+        <p:txBody>
+          <a:bodyPr wrap="square" rtlCol="0">
+            <a:spAutoFit/>
+          </a:bodyPr>
+          <a:lstStyle/>
+          <a:p>
+            <a:r>
+              <a:rPr lang="en-US" sz="2400" dirty="0">
+                <a:solidFill>
+                  <a:schemeClr val="bg2"/>
+                </a:solidFill>
+              </a:rPr>
+              <a:t>Link to recording will be posted in repo</a:t>
+            </a:r>
+          </a:p>
+        </p:txBody>
+      </p:sp>
+    </p:spTree>
+    <p:extLst>
+      <p:ext uri="{BB962C8B-B14F-4D97-AF65-F5344CB8AC3E}">
+        <p14:creationId xmlns:p14="http://schemas.microsoft.com/office/powerpoint/2010/main" val="730661488"/>
+      </p:ext>
+    </p:extLst>
+  </p:cSld>
+  <p:clrMapOvr>
+    <a:masterClrMapping/>
+  </p:clrMapOvr>
+  <mc:AlternateContent xmlns:mc="http://schemas.openxmlformats.org/markup-compatibility/2006" xmlns:p14="http://schemas.microsoft.com/office/powerpoint/2010/main">
+    <mc:Choice Requires="p14">
+      <p:transition spd="med" p14:dur="700">
+        <p:fade/>
+      </p:transition>
+    </mc:Choice>
+    <mc:Fallback xmlns="">
+      <p:transition spd="med">
+        <p:fade/>
+      </p:transition>
+    </mc:Fallback>
+  </mc:AlternateContent>
+</p:sld>
+</file>
+
+<file path=ppt/slides/slide7.xml><?xml version="1.0" encoding="utf-8"?>
+<p:sld xmlns:a="http://schemas.openxmlformats.org/drawingml/2006/main" xmlns:r="http://schemas.openxmlformats.org/officeDocument/2006/relationships" xmlns:p="http://schemas.openxmlformats.org/presentationml/2006/main">
+  <p:cSld>
+    <p:spTree>
+      <p:nvGrpSpPr>
+        <p:cNvPr id="1" name=""/>
+        <p:cNvGrpSpPr/>
+        <p:nvPr/>
+      </p:nvGrpSpPr>
+      <p:grpSpPr>
+        <a:xfrm>
+          <a:off x="0" y="0"/>
+          <a:ext cx="0" cy="0"/>
+          <a:chOff x="0" y="0"/>
+          <a:chExt cx="0" cy="0"/>
+        </a:xfrm>
+      </p:grpSpPr>
+      <p:sp>
+        <p:nvSpPr>
           <p:cNvPr id="21" name="Rectangle 20">
             <a:extLst>
               <a:ext uri="{FF2B5EF4-FFF2-40B4-BE49-F238E27FC236}">
@@ -47424,7 +48129,7 @@
 </p:sld>
 </file>
 
-<file path=ppt/slides/slide7.xml><?xml version="1.0" encoding="utf-8"?>
+<file path=ppt/slides/slide8.xml><?xml version="1.0" encoding="utf-8"?>
 <p:sld xmlns:a="http://schemas.openxmlformats.org/drawingml/2006/main" xmlns:r="http://schemas.openxmlformats.org/officeDocument/2006/relationships" xmlns:p="http://schemas.openxmlformats.org/presentationml/2006/main">
   <p:cSld>
     <p:spTree>
